--- a/CoursAdministrationLinux.pptx
+++ b/CoursAdministrationLinux.pptx
@@ -5,10 +5,10 @@
     <p:sldMasterId id="2147483648" r:id="rId1"/>
   </p:sldMasterIdLst>
   <p:notesMasterIdLst>
-    <p:notesMasterId r:id="rId12"/>
+    <p:notesMasterId r:id="rId10"/>
   </p:notesMasterIdLst>
   <p:handoutMasterIdLst>
-    <p:handoutMasterId r:id="rId13"/>
+    <p:handoutMasterId r:id="rId11"/>
   </p:handoutMasterIdLst>
   <p:sldIdLst>
     <p:sldId id="285" r:id="rId2"/>
@@ -18,9 +18,7 @@
     <p:sldId id="623" r:id="rId6"/>
     <p:sldId id="534" r:id="rId7"/>
     <p:sldId id="550" r:id="rId8"/>
-    <p:sldId id="543" r:id="rId9"/>
-    <p:sldId id="624" r:id="rId10"/>
-    <p:sldId id="439" r:id="rId11"/>
+    <p:sldId id="439" r:id="rId9"/>
   </p:sldIdLst>
   <p:sldSz cx="9144000" cy="6858000" type="screen4x3"/>
   <p:notesSz cx="6742113" cy="9874250"/>
@@ -6267,459 +6265,6 @@
     <p:bldLst>
       <p:bldP spid="3076" grpId="0"/>
       <p:bldP spid="3077" grpId="0" build="p"/>
-    </p:bldLst>
-  </p:timing>
-</p:sld>
-</file>
-
-<file path=ppt/slides/slide10.xml><?xml version="1.0" encoding="utf-8"?>
-<p:sld xmlns:a="http://schemas.openxmlformats.org/drawingml/2006/main" xmlns:r="http://schemas.openxmlformats.org/officeDocument/2006/relationships" xmlns:p="http://schemas.openxmlformats.org/presentationml/2006/main">
-  <p:cSld>
-    <p:spTree>
-      <p:nvGrpSpPr>
-        <p:cNvPr id="1" name=""/>
-        <p:cNvGrpSpPr/>
-        <p:nvPr/>
-      </p:nvGrpSpPr>
-      <p:grpSpPr>
-        <a:xfrm>
-          <a:off x="0" y="0"/>
-          <a:ext cx="0" cy="0"/>
-          <a:chOff x="0" y="0"/>
-          <a:chExt cx="0" cy="0"/>
-        </a:xfrm>
-      </p:grpSpPr>
-      <p:sp>
-        <p:nvSpPr>
-          <p:cNvPr id="25602" name="Rectangle 4"/>
-          <p:cNvSpPr>
-            <a:spLocks noGrp="1" noChangeArrowheads="1"/>
-          </p:cNvSpPr>
-          <p:nvPr>
-            <p:ph type="ctrTitle"/>
-            <p:custDataLst>
-              <p:tags r:id="rId1"/>
-            </p:custDataLst>
-          </p:nvPr>
-        </p:nvSpPr>
-        <p:spPr/>
-        <p:txBody>
-          <a:bodyPr/>
-          <a:lstStyle/>
-          <a:p>
-            <a:pPr algn="ctr"/>
-            <a:r>
-              <a:rPr lang="fr-FR" altLang="fr-FR" dirty="0" smtClean="0"/>
-              <a:t>MERCI DE VOTRE ATTENTION</a:t>
-            </a:r>
-          </a:p>
-        </p:txBody>
-      </p:sp>
-      <p:sp>
-        <p:nvSpPr>
-          <p:cNvPr id="25603" name="Espace réservé du numéro de diapositive 5"/>
-          <p:cNvSpPr txBox="1">
-            <a:spLocks noGrp="1"/>
-          </p:cNvSpPr>
-          <p:nvPr>
-            <p:custDataLst>
-              <p:tags r:id="rId2"/>
-            </p:custDataLst>
-          </p:nvPr>
-        </p:nvSpPr>
-        <p:spPr bwMode="auto">
-          <a:xfrm>
-            <a:off x="6553200" y="6248400"/>
-            <a:ext cx="1905000" cy="457200"/>
-          </a:xfrm>
-          <a:prstGeom prst="rect">
-            <a:avLst/>
-          </a:prstGeom>
-          <a:noFill/>
-          <a:ln>
-            <a:noFill/>
-          </a:ln>
-          <a:extLst>
-            <a:ext uri="{909E8E84-426E-40DD-AFC4-6F175D3DCCD1}">
-              <a14:hiddenFill xmlns:a14="http://schemas.microsoft.com/office/drawing/2010/main">
-                <a:solidFill>
-                  <a:srgbClr val="FFFFFF"/>
-                </a:solidFill>
-              </a14:hiddenFill>
-            </a:ext>
-            <a:ext uri="{91240B29-F687-4F45-9708-019B960494DF}">
-              <a14:hiddenLine xmlns:a14="http://schemas.microsoft.com/office/drawing/2010/main" w="9525">
-                <a:solidFill>
-                  <a:srgbClr val="000000"/>
-                </a:solidFill>
-                <a:miter lim="800000"/>
-                <a:headEnd/>
-                <a:tailEnd/>
-              </a14:hiddenLine>
-            </a:ext>
-          </a:extLst>
-        </p:spPr>
-        <p:txBody>
-          <a:bodyPr/>
-          <a:lstStyle>
-            <a:lvl1pPr eaLnBrk="0" hangingPunct="0">
-              <a:spcBef>
-                <a:spcPct val="20000"/>
-              </a:spcBef>
-              <a:buChar char="o"/>
-              <a:defRPr sz="2400" b="1">
-                <a:solidFill>
-                  <a:schemeClr val="tx1"/>
-                </a:solidFill>
-                <a:latin typeface="CourierPS" pitchFamily="49" charset="0"/>
-              </a:defRPr>
-            </a:lvl1pPr>
-            <a:lvl2pPr marL="742950" indent="-285750" eaLnBrk="0" hangingPunct="0">
-              <a:spcBef>
-                <a:spcPct val="20000"/>
-              </a:spcBef>
-              <a:buChar char="•"/>
-              <a:defRPr sz="2000">
-                <a:solidFill>
-                  <a:schemeClr val="tx1"/>
-                </a:solidFill>
-                <a:latin typeface="CourierPS" pitchFamily="49" charset="0"/>
-              </a:defRPr>
-            </a:lvl2pPr>
-            <a:lvl3pPr marL="1143000" indent="-228600" eaLnBrk="0" hangingPunct="0">
-              <a:spcBef>
-                <a:spcPct val="20000"/>
-              </a:spcBef>
-              <a:buFont typeface="Wingdings" pitchFamily="2" charset="2"/>
-              <a:buChar char="q"/>
-              <a:defRPr>
-                <a:solidFill>
-                  <a:schemeClr val="tx1"/>
-                </a:solidFill>
-                <a:latin typeface="CourierPS" pitchFamily="49" charset="0"/>
-              </a:defRPr>
-            </a:lvl3pPr>
-            <a:lvl4pPr marL="1600200" indent="-228600" eaLnBrk="0" hangingPunct="0">
-              <a:spcBef>
-                <a:spcPct val="20000"/>
-              </a:spcBef>
-              <a:buFont typeface="Wingdings" pitchFamily="2" charset="2"/>
-              <a:buChar char="§"/>
-              <a:defRPr sz="1600">
-                <a:solidFill>
-                  <a:schemeClr val="tx1"/>
-                </a:solidFill>
-                <a:latin typeface="CourierPS" pitchFamily="49" charset="0"/>
-              </a:defRPr>
-            </a:lvl4pPr>
-            <a:lvl5pPr marL="2057400" indent="-228600" eaLnBrk="0" hangingPunct="0">
-              <a:spcBef>
-                <a:spcPct val="20000"/>
-              </a:spcBef>
-              <a:buFont typeface="Wingdings" pitchFamily="2" charset="2"/>
-              <a:buChar char="ü"/>
-              <a:defRPr sz="1400">
-                <a:solidFill>
-                  <a:schemeClr val="tx1"/>
-                </a:solidFill>
-                <a:latin typeface="CourierPS" pitchFamily="49" charset="0"/>
-              </a:defRPr>
-            </a:lvl5pPr>
-            <a:lvl6pPr marL="2514600" indent="-228600" eaLnBrk="0" fontAlgn="base" hangingPunct="0">
-              <a:spcBef>
-                <a:spcPct val="20000"/>
-              </a:spcBef>
-              <a:spcAft>
-                <a:spcPct val="0"/>
-              </a:spcAft>
-              <a:buFont typeface="Wingdings" pitchFamily="2" charset="2"/>
-              <a:buChar char="ü"/>
-              <a:defRPr sz="1400">
-                <a:solidFill>
-                  <a:schemeClr val="tx1"/>
-                </a:solidFill>
-                <a:latin typeface="CourierPS" pitchFamily="49" charset="0"/>
-              </a:defRPr>
-            </a:lvl6pPr>
-            <a:lvl7pPr marL="2971800" indent="-228600" eaLnBrk="0" fontAlgn="base" hangingPunct="0">
-              <a:spcBef>
-                <a:spcPct val="20000"/>
-              </a:spcBef>
-              <a:spcAft>
-                <a:spcPct val="0"/>
-              </a:spcAft>
-              <a:buFont typeface="Wingdings" pitchFamily="2" charset="2"/>
-              <a:buChar char="ü"/>
-              <a:defRPr sz="1400">
-                <a:solidFill>
-                  <a:schemeClr val="tx1"/>
-                </a:solidFill>
-                <a:latin typeface="CourierPS" pitchFamily="49" charset="0"/>
-              </a:defRPr>
-            </a:lvl7pPr>
-            <a:lvl8pPr marL="3429000" indent="-228600" eaLnBrk="0" fontAlgn="base" hangingPunct="0">
-              <a:spcBef>
-                <a:spcPct val="20000"/>
-              </a:spcBef>
-              <a:spcAft>
-                <a:spcPct val="0"/>
-              </a:spcAft>
-              <a:buFont typeface="Wingdings" pitchFamily="2" charset="2"/>
-              <a:buChar char="ü"/>
-              <a:defRPr sz="1400">
-                <a:solidFill>
-                  <a:schemeClr val="tx1"/>
-                </a:solidFill>
-                <a:latin typeface="CourierPS" pitchFamily="49" charset="0"/>
-              </a:defRPr>
-            </a:lvl8pPr>
-            <a:lvl9pPr marL="3886200" indent="-228600" eaLnBrk="0" fontAlgn="base" hangingPunct="0">
-              <a:spcBef>
-                <a:spcPct val="20000"/>
-              </a:spcBef>
-              <a:spcAft>
-                <a:spcPct val="0"/>
-              </a:spcAft>
-              <a:buFont typeface="Wingdings" pitchFamily="2" charset="2"/>
-              <a:buChar char="ü"/>
-              <a:defRPr sz="1400">
-                <a:solidFill>
-                  <a:schemeClr val="tx1"/>
-                </a:solidFill>
-                <a:latin typeface="CourierPS" pitchFamily="49" charset="0"/>
-              </a:defRPr>
-            </a:lvl9pPr>
-          </a:lstStyle>
-          <a:p>
-            <a:pPr algn="r" eaLnBrk="1" hangingPunct="1">
-              <a:spcBef>
-                <a:spcPct val="0"/>
-              </a:spcBef>
-              <a:buFontTx/>
-              <a:buNone/>
-            </a:pPr>
-            <a:fld id="{1C32F96E-8763-4ED7-8B6D-F40EC33CBF38}" type="slidenum">
-              <a:rPr lang="fr-FR" altLang="fr-FR" sz="1400" b="0">
-                <a:latin typeface="Times New Roman" pitchFamily="18" charset="0"/>
-              </a:rPr>
-              <a:pPr algn="r" eaLnBrk="1" hangingPunct="1">
-                <a:spcBef>
-                  <a:spcPct val="0"/>
-                </a:spcBef>
-                <a:buFontTx/>
-                <a:buNone/>
-              </a:pPr>
-              <a:t>10</a:t>
-            </a:fld>
-            <a:endParaRPr lang="fr-FR" altLang="fr-FR" sz="1400" b="0">
-              <a:latin typeface="Times New Roman" pitchFamily="18" charset="0"/>
-            </a:endParaRPr>
-          </a:p>
-        </p:txBody>
-      </p:sp>
-      <p:sp>
-        <p:nvSpPr>
-          <p:cNvPr id="7" name="Espace réservé de la date 4"/>
-          <p:cNvSpPr>
-            <a:spLocks noGrp="1"/>
-          </p:cNvSpPr>
-          <p:nvPr>
-            <p:ph type="dt" sz="half" idx="10"/>
-          </p:nvPr>
-        </p:nvSpPr>
-        <p:spPr>
-          <a:xfrm>
-            <a:off x="685800" y="6248400"/>
-            <a:ext cx="2301875" cy="457200"/>
-          </a:xfrm>
-        </p:spPr>
-        <p:txBody>
-          <a:bodyPr/>
-          <a:lstStyle/>
-          <a:p>
-            <a:pPr>
-              <a:defRPr/>
-            </a:pPr>
-            <a:r>
-              <a:rPr lang="fr-FR" dirty="0" smtClean="0"/>
-              <a:t>ISITIX / www.isitix.com</a:t>
-            </a:r>
-          </a:p>
-          <a:p>
-            <a:pPr>
-              <a:defRPr/>
-            </a:pPr>
-            <a:r>
-              <a:rPr lang="fr-FR" dirty="0" smtClean="0"/>
-              <a:t>Avril 2016</a:t>
-            </a:r>
-          </a:p>
-          <a:p>
-            <a:pPr>
-              <a:defRPr/>
-            </a:pPr>
-            <a:r>
-              <a:rPr lang="fr-FR" dirty="0" smtClean="0"/>
-              <a:t>Tous droits réservés</a:t>
-            </a:r>
-          </a:p>
-        </p:txBody>
-      </p:sp>
-      <p:sp>
-        <p:nvSpPr>
-          <p:cNvPr id="8" name="Rectangle 5"/>
-          <p:cNvSpPr>
-            <a:spLocks noGrp="1" noChangeArrowheads="1"/>
-          </p:cNvSpPr>
-          <p:nvPr>
-            <p:ph type="ftr" sz="quarter" idx="4294967295"/>
-          </p:nvPr>
-        </p:nvSpPr>
-        <p:spPr bwMode="auto">
-          <a:xfrm>
-            <a:off x="3707904" y="6248400"/>
-            <a:ext cx="2362200" cy="457200"/>
-          </a:xfrm>
-          <a:prstGeom prst="rect">
-            <a:avLst/>
-          </a:prstGeom>
-          <a:noFill/>
-          <a:ln w="9525">
-            <a:noFill/>
-            <a:miter lim="800000"/>
-            <a:headEnd/>
-            <a:tailEnd/>
-          </a:ln>
-          <a:effectLst/>
-        </p:spPr>
-        <p:txBody>
-          <a:bodyPr vert="horz" wrap="square" lIns="91440" tIns="45720" rIns="91440" bIns="45720" numCol="1" anchor="t" anchorCtr="0" compatLnSpc="1">
-            <a:prstTxWarp prst="textNoShape">
-              <a:avLst/>
-            </a:prstTxWarp>
-          </a:bodyPr>
-          <a:lstStyle>
-            <a:lvl1pPr algn="ctr">
-              <a:defRPr sz="900">
-                <a:latin typeface="+mn-lt"/>
-              </a:defRPr>
-            </a:lvl1pPr>
-          </a:lstStyle>
-          <a:p>
-            <a:pPr>
-              <a:defRPr/>
-            </a:pPr>
-            <a:r>
-              <a:rPr lang="fr-FR" dirty="0" smtClean="0"/>
-              <a:t>Diffusion ou reproduction interdites sans l’accord écrit de l’auteur</a:t>
-            </a:r>
-          </a:p>
-          <a:p>
-            <a:pPr>
-              <a:defRPr/>
-            </a:pPr>
-            <a:r>
-              <a:rPr lang="fr-FR" dirty="0" smtClean="0"/>
-              <a:t>mikael.dautrey@isitix.com</a:t>
-            </a:r>
-            <a:endParaRPr lang="fr-FR" dirty="0"/>
-          </a:p>
-        </p:txBody>
-      </p:sp>
-    </p:spTree>
-    <p:extLst>
-      <p:ext uri="{BB962C8B-B14F-4D97-AF65-F5344CB8AC3E}">
-        <p14:creationId xmlns:p14="http://schemas.microsoft.com/office/powerpoint/2010/main" val="616118264"/>
-      </p:ext>
-    </p:extLst>
-  </p:cSld>
-  <p:clrMapOvr>
-    <a:masterClrMapping/>
-  </p:clrMapOvr>
-  <p:timing>
-    <p:tnLst>
-      <p:par>
-        <p:cTn id="1" dur="indefinite" restart="never" nodeType="tmRoot">
-          <p:childTnLst>
-            <p:seq concurrent="1" nextAc="seek">
-              <p:cTn id="2" dur="indefinite" nodeType="mainSeq">
-                <p:childTnLst>
-                  <p:par>
-                    <p:cTn id="3" fill="hold">
-                      <p:stCondLst>
-                        <p:cond delay="indefinite"/>
-                      </p:stCondLst>
-                      <p:childTnLst>
-                        <p:par>
-                          <p:cTn id="4" fill="hold">
-                            <p:stCondLst>
-                              <p:cond delay="0"/>
-                            </p:stCondLst>
-                            <p:childTnLst>
-                              <p:par>
-                                <p:cTn id="5" presetID="6" presetClass="entr" presetSubtype="16" fill="hold" grpId="0" nodeType="clickEffect">
-                                  <p:stCondLst>
-                                    <p:cond delay="0"/>
-                                  </p:stCondLst>
-                                  <p:childTnLst>
-                                    <p:set>
-                                      <p:cBhvr>
-                                        <p:cTn id="6" dur="1" fill="hold">
-                                          <p:stCondLst>
-                                            <p:cond delay="0"/>
-                                          </p:stCondLst>
-                                        </p:cTn>
-                                        <p:tgtEl>
-                                          <p:spTgt spid="25602"/>
-                                        </p:tgtEl>
-                                        <p:attrNameLst>
-                                          <p:attrName>style.visibility</p:attrName>
-                                        </p:attrNameLst>
-                                      </p:cBhvr>
-                                      <p:to>
-                                        <p:strVal val="visible"/>
-                                      </p:to>
-                                    </p:set>
-                                    <p:animEffect transition="in" filter="circle(in)">
-                                      <p:cBhvr>
-                                        <p:cTn id="7" dur="2000"/>
-                                        <p:tgtEl>
-                                          <p:spTgt spid="25602"/>
-                                        </p:tgtEl>
-                                      </p:cBhvr>
-                                    </p:animEffect>
-                                  </p:childTnLst>
-                                </p:cTn>
-                              </p:par>
-                            </p:childTnLst>
-                          </p:cTn>
-                        </p:par>
-                      </p:childTnLst>
-                    </p:cTn>
-                  </p:par>
-                </p:childTnLst>
-              </p:cTn>
-              <p:prevCondLst>
-                <p:cond evt="onPrev" delay="0">
-                  <p:tgtEl>
-                    <p:sldTgt/>
-                  </p:tgtEl>
-                </p:cond>
-              </p:prevCondLst>
-              <p:nextCondLst>
-                <p:cond evt="onNext" delay="0">
-                  <p:tgtEl>
-                    <p:sldTgt/>
-                  </p:tgtEl>
-                </p:cond>
-              </p:nextCondLst>
-            </p:seq>
-          </p:childTnLst>
-        </p:cTn>
-      </p:par>
-    </p:tnLst>
-    <p:bldLst>
-      <p:bldP spid="25602" grpId="0"/>
     </p:bldLst>
   </p:timing>
 </p:sld>
@@ -10368,34 +9913,11 @@
           <a:bodyPr/>
           <a:lstStyle/>
           <a:p>
-            <a:pPr algn="ctr">
-              <a:spcBef>
-                <a:spcPts val="1200"/>
-              </a:spcBef>
-              <a:spcAft>
-                <a:spcPts val="600"/>
-              </a:spcAft>
-            </a:pPr>
-            <a:r>
-              <a:rPr lang="fr-FR" sz="3200" dirty="0" smtClean="0"/>
-              <a:t>Administration Linux</a:t>
-            </a:r>
-            <a:br>
-              <a:rPr lang="fr-FR" sz="3200" dirty="0" smtClean="0"/>
-            </a:br>
-            <a:r>
-              <a:rPr lang="fr-FR" sz="2800" dirty="0" smtClean="0">
-                <a:solidFill>
-                  <a:schemeClr val="tx1"/>
-                </a:solidFill>
-              </a:rPr>
-              <a:t>Commandes de base</a:t>
-            </a:r>
-            <a:endParaRPr lang="fr-FR" sz="2000" dirty="0">
-              <a:solidFill>
-                <a:schemeClr val="tx1"/>
-              </a:solidFill>
-            </a:endParaRPr>
+            <a:pPr algn="ctr"/>
+            <a:r>
+              <a:rPr lang="fr-FR" altLang="fr-FR" dirty="0" smtClean="0"/>
+              <a:t>MERCI DE VOTRE ATTENTION</a:t>
+            </a:r>
           </a:p>
         </p:txBody>
       </p:sp>
@@ -10649,399 +10171,53 @@
           </a:p>
         </p:txBody>
       </p:sp>
-    </p:spTree>
-    <p:extLst>
-      <p:ext uri="{BB962C8B-B14F-4D97-AF65-F5344CB8AC3E}">
-        <p14:creationId xmlns:p14="http://schemas.microsoft.com/office/powerpoint/2010/main" val="4267854468"/>
-      </p:ext>
-    </p:extLst>
-  </p:cSld>
-  <p:clrMapOvr>
-    <a:masterClrMapping/>
-  </p:clrMapOvr>
-  <p:timing>
-    <p:tnLst>
-      <p:par>
-        <p:cTn id="1" dur="indefinite" restart="never" nodeType="tmRoot">
-          <p:childTnLst>
-            <p:seq concurrent="1" nextAc="seek">
-              <p:cTn id="2" dur="indefinite" nodeType="mainSeq">
-                <p:childTnLst>
-                  <p:par>
-                    <p:cTn id="3" fill="hold">
-                      <p:stCondLst>
-                        <p:cond delay="indefinite"/>
-                      </p:stCondLst>
-                      <p:childTnLst>
-                        <p:par>
-                          <p:cTn id="4" fill="hold">
-                            <p:stCondLst>
-                              <p:cond delay="0"/>
-                            </p:stCondLst>
-                            <p:childTnLst>
-                              <p:par>
-                                <p:cTn id="5" presetID="6" presetClass="entr" presetSubtype="16" fill="hold" grpId="0" nodeType="clickEffect">
-                                  <p:stCondLst>
-                                    <p:cond delay="0"/>
-                                  </p:stCondLst>
-                                  <p:childTnLst>
-                                    <p:set>
-                                      <p:cBhvr>
-                                        <p:cTn id="6" dur="1" fill="hold">
-                                          <p:stCondLst>
-                                            <p:cond delay="0"/>
-                                          </p:stCondLst>
-                                        </p:cTn>
-                                        <p:tgtEl>
-                                          <p:spTgt spid="25602"/>
-                                        </p:tgtEl>
-                                        <p:attrNameLst>
-                                          <p:attrName>style.visibility</p:attrName>
-                                        </p:attrNameLst>
-                                      </p:cBhvr>
-                                      <p:to>
-                                        <p:strVal val="visible"/>
-                                      </p:to>
-                                    </p:set>
-                                    <p:animEffect transition="in" filter="circle(in)">
-                                      <p:cBhvr>
-                                        <p:cTn id="7" dur="2000"/>
-                                        <p:tgtEl>
-                                          <p:spTgt spid="25602"/>
-                                        </p:tgtEl>
-                                      </p:cBhvr>
-                                    </p:animEffect>
-                                  </p:childTnLst>
-                                </p:cTn>
-                              </p:par>
-                            </p:childTnLst>
-                          </p:cTn>
-                        </p:par>
-                      </p:childTnLst>
-                    </p:cTn>
-                  </p:par>
-                </p:childTnLst>
-              </p:cTn>
-              <p:prevCondLst>
-                <p:cond evt="onPrev" delay="0">
-                  <p:tgtEl>
-                    <p:sldTgt/>
-                  </p:tgtEl>
-                </p:cond>
-              </p:prevCondLst>
-              <p:nextCondLst>
-                <p:cond evt="onNext" delay="0">
-                  <p:tgtEl>
-                    <p:sldTgt/>
-                  </p:tgtEl>
-                </p:cond>
-              </p:nextCondLst>
-            </p:seq>
-          </p:childTnLst>
-        </p:cTn>
-      </p:par>
-    </p:tnLst>
-    <p:bldLst>
-      <p:bldP spid="25602" grpId="0"/>
-    </p:bldLst>
-  </p:timing>
-</p:sld>
-</file>
-
-<file path=ppt/slides/slide9.xml><?xml version="1.0" encoding="utf-8"?>
-<p:sld xmlns:a="http://schemas.openxmlformats.org/drawingml/2006/main" xmlns:r="http://schemas.openxmlformats.org/officeDocument/2006/relationships" xmlns:p="http://schemas.openxmlformats.org/presentationml/2006/main">
-  <p:cSld>
-    <p:spTree>
-      <p:nvGrpSpPr>
-        <p:cNvPr id="1" name=""/>
-        <p:cNvGrpSpPr/>
-        <p:nvPr/>
-      </p:nvGrpSpPr>
-      <p:grpSpPr>
-        <a:xfrm>
-          <a:off x="0" y="0"/>
-          <a:ext cx="0" cy="0"/>
-          <a:chOff x="0" y="0"/>
-          <a:chExt cx="0" cy="0"/>
-        </a:xfrm>
-      </p:grpSpPr>
       <p:sp>
         <p:nvSpPr>
-          <p:cNvPr id="25602" name="Rectangle 4"/>
+          <p:cNvPr id="8" name="Rectangle 5"/>
           <p:cNvSpPr>
             <a:spLocks noGrp="1" noChangeArrowheads="1"/>
           </p:cNvSpPr>
           <p:nvPr>
-            <p:ph type="ctrTitle"/>
-            <p:custDataLst>
-              <p:tags r:id="rId1"/>
-            </p:custDataLst>
-          </p:nvPr>
-        </p:nvSpPr>
-        <p:spPr/>
-        <p:txBody>
-          <a:bodyPr/>
-          <a:lstStyle/>
-          <a:p>
-            <a:pPr algn="ctr">
-              <a:spcBef>
-                <a:spcPts val="1200"/>
-              </a:spcBef>
-              <a:spcAft>
-                <a:spcPts val="600"/>
-              </a:spcAft>
-            </a:pPr>
-            <a:r>
-              <a:rPr lang="fr-FR" sz="3200" dirty="0" smtClean="0"/>
-              <a:t>Administration Linux</a:t>
-            </a:r>
-            <a:br>
-              <a:rPr lang="fr-FR" sz="3200" dirty="0" smtClean="0"/>
-            </a:br>
-            <a:r>
-              <a:rPr lang="fr-FR" sz="2800" dirty="0" smtClean="0">
-                <a:solidFill>
-                  <a:schemeClr val="tx1"/>
-                </a:solidFill>
-              </a:rPr>
-              <a:t>Utilisateurs et groupes</a:t>
-            </a:r>
-            <a:endParaRPr lang="fr-FR" sz="2000" dirty="0">
-              <a:solidFill>
-                <a:schemeClr val="tx1"/>
-              </a:solidFill>
-            </a:endParaRPr>
-          </a:p>
-        </p:txBody>
-      </p:sp>
-      <p:sp>
-        <p:nvSpPr>
-          <p:cNvPr id="25603" name="Espace réservé du numéro de diapositive 5"/>
-          <p:cNvSpPr txBox="1">
-            <a:spLocks noGrp="1"/>
-          </p:cNvSpPr>
-          <p:nvPr>
-            <p:custDataLst>
-              <p:tags r:id="rId2"/>
-            </p:custDataLst>
+            <p:ph type="ftr" sz="quarter" idx="4294967295"/>
           </p:nvPr>
         </p:nvSpPr>
         <p:spPr bwMode="auto">
           <a:xfrm>
-            <a:off x="6553200" y="6248400"/>
-            <a:ext cx="1905000" cy="457200"/>
+            <a:off x="3707904" y="6248400"/>
+            <a:ext cx="2362200" cy="457200"/>
           </a:xfrm>
           <a:prstGeom prst="rect">
             <a:avLst/>
           </a:prstGeom>
           <a:noFill/>
-          <a:ln>
+          <a:ln w="9525">
             <a:noFill/>
+            <a:miter lim="800000"/>
+            <a:headEnd/>
+            <a:tailEnd/>
           </a:ln>
-          <a:extLst>
-            <a:ext uri="{909E8E84-426E-40DD-AFC4-6F175D3DCCD1}">
-              <a14:hiddenFill xmlns:a14="http://schemas.microsoft.com/office/drawing/2010/main">
-                <a:solidFill>
-                  <a:srgbClr val="FFFFFF"/>
-                </a:solidFill>
-              </a14:hiddenFill>
-            </a:ext>
-            <a:ext uri="{91240B29-F687-4F45-9708-019B960494DF}">
-              <a14:hiddenLine xmlns:a14="http://schemas.microsoft.com/office/drawing/2010/main" w="9525">
-                <a:solidFill>
-                  <a:srgbClr val="000000"/>
-                </a:solidFill>
-                <a:miter lim="800000"/>
-                <a:headEnd/>
-                <a:tailEnd/>
-              </a14:hiddenLine>
-            </a:ext>
-          </a:extLst>
+          <a:effectLst/>
         </p:spPr>
         <p:txBody>
-          <a:bodyPr/>
+          <a:bodyPr vert="horz" wrap="square" lIns="91440" tIns="45720" rIns="91440" bIns="45720" numCol="1" anchor="t" anchorCtr="0" compatLnSpc="1">
+            <a:prstTxWarp prst="textNoShape">
+              <a:avLst/>
+            </a:prstTxWarp>
+          </a:bodyPr>
           <a:lstStyle>
-            <a:lvl1pPr eaLnBrk="0" hangingPunct="0">
-              <a:spcBef>
-                <a:spcPct val="20000"/>
-              </a:spcBef>
-              <a:buChar char="o"/>
-              <a:defRPr sz="2400" b="1">
-                <a:solidFill>
-                  <a:schemeClr val="tx1"/>
-                </a:solidFill>
-                <a:latin typeface="CourierPS" pitchFamily="49" charset="0"/>
+            <a:lvl1pPr algn="ctr">
+              <a:defRPr sz="900">
+                <a:latin typeface="+mn-lt"/>
               </a:defRPr>
             </a:lvl1pPr>
-            <a:lvl2pPr marL="742950" indent="-285750" eaLnBrk="0" hangingPunct="0">
-              <a:spcBef>
-                <a:spcPct val="20000"/>
-              </a:spcBef>
-              <a:buChar char="•"/>
-              <a:defRPr sz="2000">
-                <a:solidFill>
-                  <a:schemeClr val="tx1"/>
-                </a:solidFill>
-                <a:latin typeface="CourierPS" pitchFamily="49" charset="0"/>
-              </a:defRPr>
-            </a:lvl2pPr>
-            <a:lvl3pPr marL="1143000" indent="-228600" eaLnBrk="0" hangingPunct="0">
-              <a:spcBef>
-                <a:spcPct val="20000"/>
-              </a:spcBef>
-              <a:buFont typeface="Wingdings" pitchFamily="2" charset="2"/>
-              <a:buChar char="q"/>
-              <a:defRPr>
-                <a:solidFill>
-                  <a:schemeClr val="tx1"/>
-                </a:solidFill>
-                <a:latin typeface="CourierPS" pitchFamily="49" charset="0"/>
-              </a:defRPr>
-            </a:lvl3pPr>
-            <a:lvl4pPr marL="1600200" indent="-228600" eaLnBrk="0" hangingPunct="0">
-              <a:spcBef>
-                <a:spcPct val="20000"/>
-              </a:spcBef>
-              <a:buFont typeface="Wingdings" pitchFamily="2" charset="2"/>
-              <a:buChar char="§"/>
-              <a:defRPr sz="1600">
-                <a:solidFill>
-                  <a:schemeClr val="tx1"/>
-                </a:solidFill>
-                <a:latin typeface="CourierPS" pitchFamily="49" charset="0"/>
-              </a:defRPr>
-            </a:lvl4pPr>
-            <a:lvl5pPr marL="2057400" indent="-228600" eaLnBrk="0" hangingPunct="0">
-              <a:spcBef>
-                <a:spcPct val="20000"/>
-              </a:spcBef>
-              <a:buFont typeface="Wingdings" pitchFamily="2" charset="2"/>
-              <a:buChar char="ü"/>
-              <a:defRPr sz="1400">
-                <a:solidFill>
-                  <a:schemeClr val="tx1"/>
-                </a:solidFill>
-                <a:latin typeface="CourierPS" pitchFamily="49" charset="0"/>
-              </a:defRPr>
-            </a:lvl5pPr>
-            <a:lvl6pPr marL="2514600" indent="-228600" eaLnBrk="0" fontAlgn="base" hangingPunct="0">
-              <a:spcBef>
-                <a:spcPct val="20000"/>
-              </a:spcBef>
-              <a:spcAft>
-                <a:spcPct val="0"/>
-              </a:spcAft>
-              <a:buFont typeface="Wingdings" pitchFamily="2" charset="2"/>
-              <a:buChar char="ü"/>
-              <a:defRPr sz="1400">
-                <a:solidFill>
-                  <a:schemeClr val="tx1"/>
-                </a:solidFill>
-                <a:latin typeface="CourierPS" pitchFamily="49" charset="0"/>
-              </a:defRPr>
-            </a:lvl6pPr>
-            <a:lvl7pPr marL="2971800" indent="-228600" eaLnBrk="0" fontAlgn="base" hangingPunct="0">
-              <a:spcBef>
-                <a:spcPct val="20000"/>
-              </a:spcBef>
-              <a:spcAft>
-                <a:spcPct val="0"/>
-              </a:spcAft>
-              <a:buFont typeface="Wingdings" pitchFamily="2" charset="2"/>
-              <a:buChar char="ü"/>
-              <a:defRPr sz="1400">
-                <a:solidFill>
-                  <a:schemeClr val="tx1"/>
-                </a:solidFill>
-                <a:latin typeface="CourierPS" pitchFamily="49" charset="0"/>
-              </a:defRPr>
-            </a:lvl7pPr>
-            <a:lvl8pPr marL="3429000" indent="-228600" eaLnBrk="0" fontAlgn="base" hangingPunct="0">
-              <a:spcBef>
-                <a:spcPct val="20000"/>
-              </a:spcBef>
-              <a:spcAft>
-                <a:spcPct val="0"/>
-              </a:spcAft>
-              <a:buFont typeface="Wingdings" pitchFamily="2" charset="2"/>
-              <a:buChar char="ü"/>
-              <a:defRPr sz="1400">
-                <a:solidFill>
-                  <a:schemeClr val="tx1"/>
-                </a:solidFill>
-                <a:latin typeface="CourierPS" pitchFamily="49" charset="0"/>
-              </a:defRPr>
-            </a:lvl8pPr>
-            <a:lvl9pPr marL="3886200" indent="-228600" eaLnBrk="0" fontAlgn="base" hangingPunct="0">
-              <a:spcBef>
-                <a:spcPct val="20000"/>
-              </a:spcBef>
-              <a:spcAft>
-                <a:spcPct val="0"/>
-              </a:spcAft>
-              <a:buFont typeface="Wingdings" pitchFamily="2" charset="2"/>
-              <a:buChar char="ü"/>
-              <a:defRPr sz="1400">
-                <a:solidFill>
-                  <a:schemeClr val="tx1"/>
-                </a:solidFill>
-                <a:latin typeface="CourierPS" pitchFamily="49" charset="0"/>
-              </a:defRPr>
-            </a:lvl9pPr>
           </a:lstStyle>
           <a:p>
-            <a:pPr algn="r" eaLnBrk="1" hangingPunct="1">
-              <a:spcBef>
-                <a:spcPct val="0"/>
-              </a:spcBef>
-              <a:buFontTx/>
-              <a:buNone/>
-            </a:pPr>
-            <a:fld id="{1C32F96E-8763-4ED7-8B6D-F40EC33CBF38}" type="slidenum">
-              <a:rPr lang="fr-FR" altLang="fr-FR" sz="1400" b="0">
-                <a:latin typeface="Times New Roman" pitchFamily="18" charset="0"/>
-              </a:rPr>
-              <a:pPr algn="r" eaLnBrk="1" hangingPunct="1">
-                <a:spcBef>
-                  <a:spcPct val="0"/>
-                </a:spcBef>
-                <a:buFontTx/>
-                <a:buNone/>
-              </a:pPr>
-              <a:t>9</a:t>
-            </a:fld>
-            <a:endParaRPr lang="fr-FR" altLang="fr-FR" sz="1400" b="0">
-              <a:latin typeface="Times New Roman" pitchFamily="18" charset="0"/>
-            </a:endParaRPr>
-          </a:p>
-        </p:txBody>
-      </p:sp>
-      <p:sp>
-        <p:nvSpPr>
-          <p:cNvPr id="7" name="Espace réservé de la date 4"/>
-          <p:cNvSpPr>
-            <a:spLocks noGrp="1"/>
-          </p:cNvSpPr>
-          <p:nvPr>
-            <p:ph type="dt" sz="half" idx="10"/>
-          </p:nvPr>
-        </p:nvSpPr>
-        <p:spPr>
-          <a:xfrm>
-            <a:off x="685800" y="6248400"/>
-            <a:ext cx="2301875" cy="457200"/>
-          </a:xfrm>
-        </p:spPr>
-        <p:txBody>
-          <a:bodyPr/>
-          <a:lstStyle/>
-          <a:p>
             <a:pPr>
               <a:defRPr/>
             </a:pPr>
             <a:r>
               <a:rPr lang="fr-FR" dirty="0" smtClean="0"/>
-              <a:t>ISITIX / www.isitix.com</a:t>
+              <a:t>Diffusion ou reproduction interdites sans l’accord écrit de l’auteur</a:t>
             </a:r>
           </a:p>
           <a:p>
@@ -11050,24 +10226,16 @@
             </a:pPr>
             <a:r>
               <a:rPr lang="fr-FR" dirty="0" smtClean="0"/>
-              <a:t>Avril 2016</a:t>
-            </a:r>
-          </a:p>
-          <a:p>
-            <a:pPr>
-              <a:defRPr/>
-            </a:pPr>
-            <a:r>
-              <a:rPr lang="fr-FR" dirty="0" smtClean="0"/>
-              <a:t>Tous droits réservés</a:t>
-            </a:r>
+              <a:t>mikael.dautrey@isitix.com</a:t>
+            </a:r>
+            <a:endParaRPr lang="fr-FR" dirty="0"/>
           </a:p>
         </p:txBody>
       </p:sp>
     </p:spTree>
     <p:extLst>
       <p:ext uri="{BB962C8B-B14F-4D97-AF65-F5344CB8AC3E}">
-        <p14:creationId xmlns:p14="http://schemas.microsoft.com/office/powerpoint/2010/main" val="3900907436"/>
+        <p14:creationId xmlns:p14="http://schemas.microsoft.com/office/powerpoint/2010/main" val="616118264"/>
       </p:ext>
     </p:extLst>
   </p:cSld>
@@ -11169,12 +10337,6 @@
 </p:tagLst>
 </file>
 
-<file path=ppt/tags/tag10.xml><?xml version="1.0" encoding="utf-8"?>
-<p:tagLst xmlns:a="http://schemas.openxmlformats.org/drawingml/2006/main" xmlns:r="http://schemas.openxmlformats.org/officeDocument/2006/relationships" xmlns:p="http://schemas.openxmlformats.org/presentationml/2006/main">
-  <p:tag name="NUM" val="2"/>
-</p:tagLst>
-</file>
-
 <file path=ppt/tags/tag2.xml><?xml version="1.0" encoding="utf-8"?>
 <p:tagLst xmlns:a="http://schemas.openxmlformats.org/drawingml/2006/main" xmlns:r="http://schemas.openxmlformats.org/officeDocument/2006/relationships" xmlns:p="http://schemas.openxmlformats.org/presentationml/2006/main">
   <p:tag name="NUM" val="3"/>
@@ -11202,24 +10364,6 @@
 <file path=ppt/tags/tag6.xml><?xml version="1.0" encoding="utf-8"?>
 <p:tagLst xmlns:a="http://schemas.openxmlformats.org/drawingml/2006/main" xmlns:r="http://schemas.openxmlformats.org/officeDocument/2006/relationships" xmlns:p="http://schemas.openxmlformats.org/presentationml/2006/main">
   <p:tag name="NUM" val="2"/>
-</p:tagLst>
-</file>
-
-<file path=ppt/tags/tag7.xml><?xml version="1.0" encoding="utf-8"?>
-<p:tagLst xmlns:a="http://schemas.openxmlformats.org/drawingml/2006/main" xmlns:r="http://schemas.openxmlformats.org/officeDocument/2006/relationships" xmlns:p="http://schemas.openxmlformats.org/presentationml/2006/main">
-  <p:tag name="NUM" val="1"/>
-</p:tagLst>
-</file>
-
-<file path=ppt/tags/tag8.xml><?xml version="1.0" encoding="utf-8"?>
-<p:tagLst xmlns:a="http://schemas.openxmlformats.org/drawingml/2006/main" xmlns:r="http://schemas.openxmlformats.org/officeDocument/2006/relationships" xmlns:p="http://schemas.openxmlformats.org/presentationml/2006/main">
-  <p:tag name="NUM" val="2"/>
-</p:tagLst>
-</file>
-
-<file path=ppt/tags/tag9.xml><?xml version="1.0" encoding="utf-8"?>
-<p:tagLst xmlns:a="http://schemas.openxmlformats.org/drawingml/2006/main" xmlns:r="http://schemas.openxmlformats.org/officeDocument/2006/relationships" xmlns:p="http://schemas.openxmlformats.org/presentationml/2006/main">
-  <p:tag name="NUM" val="1"/>
 </p:tagLst>
 </file>
 

--- a/CoursAdministrationLinux.pptx
+++ b/CoursAdministrationLinux.pptx
@@ -6388,9 +6388,22 @@
               <a:t>Gérer les </a:t>
             </a:r>
             <a:r>
-              <a:rPr lang="fr-FR" sz="1600" dirty="0"/>
-              <a:t>processus</a:t>
-            </a:r>
+              <a:rPr lang="fr-FR" sz="1600" smtClean="0"/>
+              <a:t>processus (+ run</a:t>
+            </a:r>
+            <a:r>
+              <a:rPr lang="fr-FR" sz="1600" dirty="0" smtClean="0"/>
+              <a:t> </a:t>
+            </a:r>
+            <a:r>
+              <a:rPr lang="fr-FR" sz="1600" dirty="0" err="1" smtClean="0"/>
+              <a:t>level</a:t>
+            </a:r>
+            <a:r>
+              <a:rPr lang="fr-FR" sz="1600" dirty="0" smtClean="0"/>
+              <a:t>)</a:t>
+            </a:r>
+            <a:endParaRPr lang="fr-FR" sz="1600" dirty="0"/>
           </a:p>
           <a:p>
             <a:endParaRPr lang="fr-FR" sz="1600" dirty="0"/>
